--- a/Presentation of GIS project SportField.pptx
+++ b/Presentation of GIS project SportField.pptx
@@ -116,6 +116,11 @@
       </a:defRPr>
     </a:lvl9pPr>
   </p:defaultTextStyle>
+  <p:extLst>
+    <p:ext uri="{EFAFB233-063F-42B5-8137-9DF3F51BA10A}">
+      <p15:sldGuideLst xmlns:p15="http://schemas.microsoft.com/office/powerpoint/2012/main"/>
+    </p:ext>
+  </p:extLst>
 </p:presentation>
 </file>
 
@@ -266,7 +271,7 @@
           <a:p>
             <a:fld id="{C11FF945-6DC3-4461-B3F6-9ABBACD92B29}" type="datetimeFigureOut">
               <a:rPr lang="he-IL" smtClean="0"/>
-              <a:t>כ"ג/סיון/תשפ"ב</a:t>
+              <a:t>כ"ד/סיון/תשפ"ב</a:t>
             </a:fld>
             <a:endParaRPr lang="he-IL"/>
           </a:p>
@@ -464,7 +469,7 @@
           <a:p>
             <a:fld id="{C11FF945-6DC3-4461-B3F6-9ABBACD92B29}" type="datetimeFigureOut">
               <a:rPr lang="he-IL" smtClean="0"/>
-              <a:t>כ"ג/סיון/תשפ"ב</a:t>
+              <a:t>כ"ד/סיון/תשפ"ב</a:t>
             </a:fld>
             <a:endParaRPr lang="he-IL"/>
           </a:p>
@@ -672,7 +677,7 @@
           <a:p>
             <a:fld id="{C11FF945-6DC3-4461-B3F6-9ABBACD92B29}" type="datetimeFigureOut">
               <a:rPr lang="he-IL" smtClean="0"/>
-              <a:t>כ"ג/סיון/תשפ"ב</a:t>
+              <a:t>כ"ד/סיון/תשפ"ב</a:t>
             </a:fld>
             <a:endParaRPr lang="he-IL"/>
           </a:p>
@@ -870,7 +875,7 @@
           <a:p>
             <a:fld id="{C11FF945-6DC3-4461-B3F6-9ABBACD92B29}" type="datetimeFigureOut">
               <a:rPr lang="he-IL" smtClean="0"/>
-              <a:t>כ"ג/סיון/תשפ"ב</a:t>
+              <a:t>כ"ד/סיון/תשפ"ב</a:t>
             </a:fld>
             <a:endParaRPr lang="he-IL"/>
           </a:p>
@@ -1145,7 +1150,7 @@
           <a:p>
             <a:fld id="{C11FF945-6DC3-4461-B3F6-9ABBACD92B29}" type="datetimeFigureOut">
               <a:rPr lang="he-IL" smtClean="0"/>
-              <a:t>כ"ג/סיון/תשפ"ב</a:t>
+              <a:t>כ"ד/סיון/תשפ"ב</a:t>
             </a:fld>
             <a:endParaRPr lang="he-IL"/>
           </a:p>
@@ -1410,7 +1415,7 @@
           <a:p>
             <a:fld id="{C11FF945-6DC3-4461-B3F6-9ABBACD92B29}" type="datetimeFigureOut">
               <a:rPr lang="he-IL" smtClean="0"/>
-              <a:t>כ"ג/סיון/תשפ"ב</a:t>
+              <a:t>כ"ד/סיון/תשפ"ב</a:t>
             </a:fld>
             <a:endParaRPr lang="he-IL"/>
           </a:p>
@@ -1822,7 +1827,7 @@
           <a:p>
             <a:fld id="{C11FF945-6DC3-4461-B3F6-9ABBACD92B29}" type="datetimeFigureOut">
               <a:rPr lang="he-IL" smtClean="0"/>
-              <a:t>כ"ג/סיון/תשפ"ב</a:t>
+              <a:t>כ"ד/סיון/תשפ"ב</a:t>
             </a:fld>
             <a:endParaRPr lang="he-IL"/>
           </a:p>
@@ -1963,7 +1968,7 @@
           <a:p>
             <a:fld id="{C11FF945-6DC3-4461-B3F6-9ABBACD92B29}" type="datetimeFigureOut">
               <a:rPr lang="he-IL" smtClean="0"/>
-              <a:t>כ"ג/סיון/תשפ"ב</a:t>
+              <a:t>כ"ד/סיון/תשפ"ב</a:t>
             </a:fld>
             <a:endParaRPr lang="he-IL"/>
           </a:p>
@@ -2076,7 +2081,7 @@
           <a:p>
             <a:fld id="{C11FF945-6DC3-4461-B3F6-9ABBACD92B29}" type="datetimeFigureOut">
               <a:rPr lang="he-IL" smtClean="0"/>
-              <a:t>כ"ג/סיון/תשפ"ב</a:t>
+              <a:t>כ"ד/סיון/תשפ"ב</a:t>
             </a:fld>
             <a:endParaRPr lang="he-IL"/>
           </a:p>
@@ -2387,7 +2392,7 @@
           <a:p>
             <a:fld id="{C11FF945-6DC3-4461-B3F6-9ABBACD92B29}" type="datetimeFigureOut">
               <a:rPr lang="he-IL" smtClean="0"/>
-              <a:t>כ"ג/סיון/תשפ"ב</a:t>
+              <a:t>כ"ד/סיון/תשפ"ב</a:t>
             </a:fld>
             <a:endParaRPr lang="he-IL"/>
           </a:p>
@@ -2675,7 +2680,7 @@
           <a:p>
             <a:fld id="{C11FF945-6DC3-4461-B3F6-9ABBACD92B29}" type="datetimeFigureOut">
               <a:rPr lang="he-IL" smtClean="0"/>
-              <a:t>כ"ג/סיון/תשפ"ב</a:t>
+              <a:t>כ"ד/סיון/תשפ"ב</a:t>
             </a:fld>
             <a:endParaRPr lang="he-IL"/>
           </a:p>
@@ -2916,7 +2921,7 @@
           <a:p>
             <a:fld id="{C11FF945-6DC3-4461-B3F6-9ABBACD92B29}" type="datetimeFigureOut">
               <a:rPr lang="he-IL" smtClean="0"/>
-              <a:t>כ"ג/סיון/תשפ"ב</a:t>
+              <a:t>כ"ד/סיון/תשפ"ב</a:t>
             </a:fld>
             <a:endParaRPr lang="he-IL"/>
           </a:p>
@@ -5860,8 +5865,8 @@
         </p:nvSpPr>
         <p:spPr>
           <a:xfrm>
-            <a:off x="4201885" y="1839290"/>
-            <a:ext cx="3788229" cy="2554545"/>
+            <a:off x="3206529" y="1759391"/>
+            <a:ext cx="5974883" cy="2554545"/>
           </a:xfrm>
           <a:prstGeom prst="rect">
             <a:avLst/>
@@ -5892,7 +5897,7 @@
                   <a:schemeClr val="bg1"/>
                 </a:solidFill>
               </a:rPr>
-              <a:t>ירדן אנקונינה</a:t>
+              <a:t>ירדן אנקונינה 205415664</a:t>
             </a:r>
           </a:p>
           <a:p>
@@ -5903,7 +5908,7 @@
                   <a:schemeClr val="bg1"/>
                 </a:solidFill>
               </a:rPr>
-              <a:t>יהונתן מסיקה</a:t>
+              <a:t>יהונתן מסיקה 205696461</a:t>
             </a:r>
           </a:p>
           <a:p>
@@ -5914,7 +5919,7 @@
                   <a:schemeClr val="bg1"/>
                 </a:solidFill>
               </a:rPr>
-              <a:t>דניאל זיו</a:t>
+              <a:t>    דניאל זיו    312167240</a:t>
             </a:r>
           </a:p>
         </p:txBody>
